--- a/ppts/CS381-Practical-3.pptx
+++ b/ppts/CS381-Practical-3.pptx
@@ -224,7 +224,7 @@
           <a:p>
             <a:fld id="{0BE05004-60D2-4BA6-A94F-C70C8FEAFD92}" type="datetimeFigureOut">
               <a:rPr lang="en-US" smtClean="0"/>
-              <a:t>7/17/2022</a:t>
+              <a:t>8/28/2022</a:t>
             </a:fld>
             <a:endParaRPr lang="en-US"/>
           </a:p>
@@ -620,7 +620,7 @@
           <a:p>
             <a:fld id="{AD4E32E5-FC78-4ADF-824B-2AF2EE7A6CDD}" type="datetime1">
               <a:rPr lang="en-US" smtClean="0"/>
-              <a:t>7/17/2022</a:t>
+              <a:t>8/28/2022</a:t>
             </a:fld>
             <a:endParaRPr lang="en-US"/>
           </a:p>
@@ -792,7 +792,7 @@
           <a:p>
             <a:fld id="{39D506F2-C7B2-4CF1-B430-3A12DCEACCB9}" type="datetime1">
               <a:rPr lang="en-US" smtClean="0"/>
-              <a:t>7/17/2022</a:t>
+              <a:t>8/28/2022</a:t>
             </a:fld>
             <a:endParaRPr lang="en-US"/>
           </a:p>
@@ -974,7 +974,7 @@
           <a:p>
             <a:fld id="{8E6A8852-7903-46F5-93B2-44958B03B8A4}" type="datetime1">
               <a:rPr lang="en-US" smtClean="0"/>
-              <a:t>7/17/2022</a:t>
+              <a:t>8/28/2022</a:t>
             </a:fld>
             <a:endParaRPr lang="en-US"/>
           </a:p>
@@ -1146,7 +1146,7 @@
           <a:p>
             <a:fld id="{B0F56DED-904A-41C7-B0CB-220ABF1F7496}" type="datetime1">
               <a:rPr lang="en-US" smtClean="0"/>
-              <a:t>7/17/2022</a:t>
+              <a:t>8/28/2022</a:t>
             </a:fld>
             <a:endParaRPr lang="en-US"/>
           </a:p>
@@ -1395,7 +1395,7 @@
           <a:p>
             <a:fld id="{1D9FA81E-1E07-4B60-B9CF-1ACCAD4CE7ED}" type="datetime1">
               <a:rPr lang="en-US" smtClean="0"/>
-              <a:t>7/17/2022</a:t>
+              <a:t>8/28/2022</a:t>
             </a:fld>
             <a:endParaRPr lang="en-US"/>
           </a:p>
@@ -1628,7 +1628,7 @@
           <a:p>
             <a:fld id="{CA94E7B1-FB35-4CFF-9B89-1C04D21B5F56}" type="datetime1">
               <a:rPr lang="en-US" smtClean="0"/>
-              <a:t>7/17/2022</a:t>
+              <a:t>8/28/2022</a:t>
             </a:fld>
             <a:endParaRPr lang="en-US"/>
           </a:p>
@@ -1996,7 +1996,7 @@
           <a:p>
             <a:fld id="{9588E1F0-3456-46A7-A8E7-1A9FD9C0B2FE}" type="datetime1">
               <a:rPr lang="en-US" smtClean="0"/>
-              <a:t>7/17/2022</a:t>
+              <a:t>8/28/2022</a:t>
             </a:fld>
             <a:endParaRPr lang="en-US"/>
           </a:p>
@@ -2117,7 +2117,7 @@
           <a:p>
             <a:fld id="{60CD1F4B-1F64-4E40-BD68-C56D94FC3044}" type="datetime1">
               <a:rPr lang="en-US" smtClean="0"/>
-              <a:t>7/17/2022</a:t>
+              <a:t>8/28/2022</a:t>
             </a:fld>
             <a:endParaRPr lang="en-US"/>
           </a:p>
@@ -2216,7 +2216,7 @@
           <a:p>
             <a:fld id="{F2BA1A89-AF7D-4685-805B-195A4E9A7B7B}" type="datetime1">
               <a:rPr lang="en-US" smtClean="0"/>
-              <a:t>7/17/2022</a:t>
+              <a:t>8/28/2022</a:t>
             </a:fld>
             <a:endParaRPr lang="en-US"/>
           </a:p>
@@ -2495,7 +2495,7 @@
           <a:p>
             <a:fld id="{E59EBA5E-6647-455C-A773-A3464C7081BF}" type="datetime1">
               <a:rPr lang="en-US" smtClean="0"/>
-              <a:t>7/17/2022</a:t>
+              <a:t>8/28/2022</a:t>
             </a:fld>
             <a:endParaRPr lang="en-US"/>
           </a:p>
@@ -2751,7 +2751,7 @@
           <a:p>
             <a:fld id="{50D976E0-0C1E-4403-A662-04855EBFE083}" type="datetime1">
               <a:rPr lang="en-US" smtClean="0"/>
-              <a:t>7/17/2022</a:t>
+              <a:t>8/28/2022</a:t>
             </a:fld>
             <a:endParaRPr lang="en-US"/>
           </a:p>
@@ -2966,7 +2966,7 @@
           <a:p>
             <a:fld id="{ED997480-56F5-4AD4-AB19-480F8F788307}" type="datetime1">
               <a:rPr lang="en-US" smtClean="0"/>
-              <a:t>7/17/2022</a:t>
+              <a:t>8/28/2022</a:t>
             </a:fld>
             <a:endParaRPr lang="en-US"/>
           </a:p>
